--- a/Mariam_Jury_Presentation.pptx
+++ b/Mariam_Jury_Presentation.pptx
@@ -140,17 +140,6 @@
   <p188:author id="{7EE290B3-41AE-3A4B-7BAA-4A2FF2A2DB4F}" name="Dina Akylbekova" initials="DA" userId="S::dina.akylbekova@undp.org::d0186547-350c-4ee8-9f3b-afe70f175dd5" providerId="AD"/>
   <p188:author id="{AD2977F2-1110-00CA-B921-CFBBF1E22859}" name="Ipek beril Benli" initials="IB" userId="S::ipek.beril.benli@undp.org::8f9c5f4b-b22c-49ff-bdd5-d07e27607437" providerId="AD"/>
 </p188:authorLst>
-</file>
-
-<file path=ppt/revisionInfo.xml><?xml version="1.0" encoding="utf-8"?>
-<p1510:revInfo xmlns:a="http://schemas.openxmlformats.org/drawingml/2006/main" xmlns:r="http://schemas.openxmlformats.org/officeDocument/2006/relationships" xmlns:p1510="http://schemas.microsoft.com/office/powerpoint/2015/10/main">
-  <p1510:revLst>
-    <p1510:client id="{60B0DD4A-5754-EA40-BB3D-9ED9EB7A4337}" v="162" dt="2023-12-12T12:22:49.764"/>
-    <p1510:client id="{85B2A29B-142B-8C41-8889-5FD9FDDEDB27}" v="176" dt="2023-12-12T12:11:06.875"/>
-    <p1510:client id="{B0B699F7-D97B-4719-84BB-56E6732F1B03}" v="18" dt="2023-12-12T12:13:11.854"/>
-    <p1510:client id="{E34B5784-30A5-4FA8-9EFF-9DD19A397683}" v="1" dt="2023-12-12T06:22:56.612"/>
-  </p1510:revLst>
-</p1510:revInfo>
 </file>
 
 <file path=ppt/diagrams/colors1.xml><?xml version="1.0" encoding="utf-8"?>
@@ -3416,22 +3405,6 @@
                 <a:srgbClr val="2B2551"/>
               </a:solidFill>
             </a:rPr>
-            <a:t>health</a:t>
-          </a:r>
-          <a:r>
-            <a:rPr lang="tr-TR" sz="2400" dirty="0">
-              <a:solidFill>
-                <a:srgbClr val="2B2551"/>
-              </a:solidFill>
-            </a:rPr>
-            <a:t> </a:t>
-          </a:r>
-          <a:r>
-            <a:rPr lang="tr-TR" sz="2400" dirty="0" err="1">
-              <a:solidFill>
-                <a:srgbClr val="2B2551"/>
-              </a:solidFill>
-            </a:rPr>
             <a:t>healthcare</a:t>
           </a:r>
           <a:r>
@@ -6035,22 +6008,6 @@
                 <a:srgbClr val="2B2551"/>
               </a:solidFill>
             </a:rPr>
-            <a:t>health</a:t>
-          </a:r>
-          <a:r>
-            <a:rPr lang="tr-TR" sz="2400" kern="1200" dirty="0">
-              <a:solidFill>
-                <a:srgbClr val="2B2551"/>
-              </a:solidFill>
-            </a:rPr>
-            <a:t> </a:t>
-          </a:r>
-          <a:r>
-            <a:rPr lang="tr-TR" sz="2400" kern="1200" dirty="0" err="1">
-              <a:solidFill>
-                <a:srgbClr val="2B2551"/>
-              </a:solidFill>
-            </a:rPr>
             <a:t>healthcare</a:t>
           </a:r>
           <a:r>
@@ -26559,10 +26516,10 @@
       </p:sp>
       <p:pic>
         <p:nvPicPr>
-          <p:cNvPr id="3" name="Picture 2">
-            <a:extLst>
-              <a:ext uri="{FF2B5EF4-FFF2-40B4-BE49-F238E27FC236}">
-                <a16:creationId xmlns:a16="http://schemas.microsoft.com/office/drawing/2014/main" id="{99662F5E-F670-9786-CF3B-CE60BC8DD0C2}"/>
+          <p:cNvPr id="4" name="Picture 4">
+            <a:extLst>
+              <a:ext uri="{FF2B5EF4-FFF2-40B4-BE49-F238E27FC236}">
+                <a16:creationId xmlns:a16="http://schemas.microsoft.com/office/drawing/2014/main" id="{8CA3611A-B14B-2A44-33BD-9FBD62AF2763}"/>
               </a:ext>
             </a:extLst>
           </p:cNvPr>
@@ -26573,53 +26530,6 @@
         </p:nvPicPr>
         <p:blipFill>
           <a:blip r:embed="rId2">
-            <a:extLst>
-              <a:ext uri="{28A0092B-C50C-407E-A947-70E740481C1C}">
-                <a14:useLocalDpi xmlns:a14="http://schemas.microsoft.com/office/drawing/2010/main" val="0"/>
-              </a:ext>
-            </a:extLst>
-          </a:blip>
-          <a:srcRect/>
-          <a:stretch>
-            <a:fillRect/>
-          </a:stretch>
-        </p:blipFill>
-        <p:spPr bwMode="auto">
-          <a:xfrm>
-            <a:off x="131270" y="1569543"/>
-            <a:ext cx="3956208" cy="3174735"/>
-          </a:xfrm>
-          <a:prstGeom prst="rect">
-            <a:avLst/>
-          </a:prstGeom>
-          <a:noFill/>
-          <a:extLst>
-            <a:ext uri="{909E8E84-426E-40DD-AFC4-6F175D3DCCD1}">
-              <a14:hiddenFill xmlns:a14="http://schemas.microsoft.com/office/drawing/2010/main">
-                <a:solidFill>
-                  <a:srgbClr val="FFFFFF"/>
-                </a:solidFill>
-              </a14:hiddenFill>
-            </a:ext>
-          </a:extLst>
-        </p:spPr>
-      </p:pic>
-      <p:pic>
-        <p:nvPicPr>
-          <p:cNvPr id="4" name="Picture 4">
-            <a:extLst>
-              <a:ext uri="{FF2B5EF4-FFF2-40B4-BE49-F238E27FC236}">
-                <a16:creationId xmlns:a16="http://schemas.microsoft.com/office/drawing/2014/main" id="{8CA3611A-B14B-2A44-33BD-9FBD62AF2763}"/>
-              </a:ext>
-            </a:extLst>
-          </p:cNvPr>
-          <p:cNvPicPr>
-            <a:picLocks noChangeAspect="1" noChangeArrowheads="1"/>
-          </p:cNvPicPr>
-          <p:nvPr/>
-        </p:nvPicPr>
-        <p:blipFill>
-          <a:blip r:embed="rId3">
             <a:extLst>
               <a:ext uri="{28A0092B-C50C-407E-A947-70E740481C1C}">
                 <a14:useLocalDpi xmlns:a14="http://schemas.microsoft.com/office/drawing/2010/main" val="0"/>
@@ -26666,7 +26576,7 @@
           <p:nvPr/>
         </p:nvPicPr>
         <p:blipFill>
-          <a:blip r:embed="rId4">
+          <a:blip r:embed="rId3">
             <a:extLst>
               <a:ext uri="{28A0092B-C50C-407E-A947-70E740481C1C}">
                 <a14:useLocalDpi xmlns:a14="http://schemas.microsoft.com/office/drawing/2010/main" val="0"/>
@@ -26680,8 +26590,8 @@
         </p:blipFill>
         <p:spPr bwMode="auto">
           <a:xfrm>
-            <a:off x="8068533" y="1194877"/>
-            <a:ext cx="3831483" cy="3074646"/>
+            <a:off x="8095035" y="1391824"/>
+            <a:ext cx="4029560" cy="3233597"/>
           </a:xfrm>
           <a:prstGeom prst="rect">
             <a:avLst/>
@@ -26696,6 +26606,42 @@
               </a14:hiddenFill>
             </a:ext>
           </a:extLst>
+        </p:spPr>
+      </p:pic>
+      <p:pic>
+        <p:nvPicPr>
+          <p:cNvPr id="11" name="Picture 10">
+            <a:extLst>
+              <a:ext uri="{FF2B5EF4-FFF2-40B4-BE49-F238E27FC236}">
+                <a16:creationId xmlns:a16="http://schemas.microsoft.com/office/drawing/2014/main" id="{E262D63D-C29D-AC2F-3D90-603743310F1B}"/>
+              </a:ext>
+            </a:extLst>
+          </p:cNvPr>
+          <p:cNvPicPr>
+            <a:picLocks noChangeAspect="1"/>
+          </p:cNvPicPr>
+          <p:nvPr/>
+        </p:nvPicPr>
+        <p:blipFill>
+          <a:blip r:embed="rId4">
+            <a:extLst>
+              <a:ext uri="{28A0092B-C50C-407E-A947-70E740481C1C}">
+                <a14:useLocalDpi xmlns:a14="http://schemas.microsoft.com/office/drawing/2010/main" val="0"/>
+              </a:ext>
+            </a:extLst>
+          </a:blip>
+          <a:stretch>
+            <a:fillRect/>
+          </a:stretch>
+        </p:blipFill>
+        <p:spPr>
+          <a:xfrm>
+            <a:off x="230461" y="1522670"/>
+            <a:ext cx="3866505" cy="3102751"/>
+          </a:xfrm>
+          <a:prstGeom prst="rect">
+            <a:avLst/>
+          </a:prstGeom>
         </p:spPr>
       </p:pic>
     </p:spTree>
@@ -28592,7 +28538,7 @@
             <p:ph idx="1"/>
             <p:extLst>
               <p:ext uri="{D42A27DB-BD31-4B8C-83A1-F6EECF244321}">
-                <p14:modId xmlns:p14="http://schemas.microsoft.com/office/powerpoint/2010/main" val="2767828510"/>
+                <p14:modId xmlns:p14="http://schemas.microsoft.com/office/powerpoint/2010/main" val="1726267873"/>
               </p:ext>
             </p:extLst>
           </p:nvPr>
@@ -29157,12 +29103,12 @@
           </a:bodyPr>
           <a:lstStyle/>
           <a:p>
-            <a:pPr marL="0" indent="0">
+            <a:pPr marL="0" indent="0" algn="ctr">
               <a:buNone/>
             </a:pPr>
             <a:r>
               <a:rPr lang="en-US" sz="1800" dirty="0"/>
-              <a:t>Diabetes: 768 rows × 9 columns               heart: 1025 rows × 14 columns          Parkinson: 195 rows × 24 columns</a:t>
+              <a:t>Diabetes: 768 rows × 9 columns                  heart: 1025 rows × 14 columns               Parkinson: 195 rows × 24 columns</a:t>
             </a:r>
           </a:p>
         </p:txBody>
@@ -29324,19 +29270,11 @@
             </a:pPr>
             <a:r>
               <a:rPr lang="en-US" b="1" dirty="0"/>
-              <a:t>Model Selection</a:t>
+              <a:t>Models </a:t>
             </a:r>
             <a:r>
               <a:rPr lang="tr-TR" b="1" dirty="0"/>
-              <a:t> </a:t>
-            </a:r>
-            <a:r>
-              <a:rPr lang="tr-TR" b="1" dirty="0" err="1"/>
-              <a:t>and</a:t>
-            </a:r>
-            <a:r>
-              <a:rPr lang="tr-TR" b="1" dirty="0"/>
-              <a:t> Training</a:t>
+              <a:t>Training</a:t>
             </a:r>
             <a:r>
               <a:rPr lang="fr-FR" b="1" dirty="0"/>
@@ -29473,8 +29411,8 @@
           </a:p>
           <a:p>
             <a:r>
-              <a:rPr lang="en-US" sz="2800" dirty="0"/>
-              <a:t>Use of </a:t>
+              <a:rPr lang="en-US" b="1" dirty="0"/>
+              <a:t>Models optimization: </a:t>
             </a:r>
             <a:r>
               <a:rPr lang="en-US" sz="2800" dirty="0" err="1"/>
@@ -29496,7 +29434,7 @@
           <a:p>
             <a:r>
               <a:rPr lang="en-US" dirty="0"/>
-              <a:t>Use of ensemble techniques for strong Models</a:t>
+              <a:t>Use of ensemble techniques to get strong Models</a:t>
             </a:r>
             <a:endParaRPr lang="en-US" sz="2800" dirty="0"/>
           </a:p>

--- a/Mariam_Jury_Presentation.pptx
+++ b/Mariam_Jury_Presentation.pptx
@@ -11107,7 +11107,7 @@
           </a:lstStyle>
           <a:p>
             <a:fld id="{E14C8F11-D0DF-4008-860B-4A7D93BC166E}" type="datetimeFigureOut">
-              <a:t>12/15/2023</a:t>
+              <a:t>12/16/2023</a:t>
             </a:fld>
             <a:endParaRPr lang="en-US"/>
           </a:p>
@@ -27031,13 +27031,19 @@
           </a:bodyPr>
           <a:lstStyle/>
           <a:p>
+            <a:pPr marL="0" indent="0">
+              <a:buNone/>
+            </a:pPr>
+            <a:endParaRPr lang="en-US" dirty="0"/>
+          </a:p>
+          <a:p>
             <a:pPr>
               <a:buFont typeface="Arial" panose="020B0604020202020204" pitchFamily="34" charset="0"/>
               <a:buChar char="•"/>
             </a:pPr>
             <a:r>
               <a:rPr lang="en-US" dirty="0"/>
-              <a:t>This application can be a more large application, we can build others models for more diseases like Malaria, Kidney, covid </a:t>
+              <a:t>Develop the app on large datasets  to predict more diseases like Malaria, Kidney, covid </a:t>
             </a:r>
             <a:r>
               <a:rPr lang="en-US" dirty="0" err="1"/>
@@ -27055,24 +27061,6 @@
             </a:pPr>
             <a:r>
               <a:rPr lang="en-US" dirty="0"/>
-              <a:t>This means </a:t>
-            </a:r>
-            <a:r>
-              <a:rPr lang="en-US" dirty="0" err="1"/>
-              <a:t>developping</a:t>
-            </a:r>
-            <a:r>
-              <a:rPr lang="en-US" dirty="0"/>
-              <a:t> the same app on large datasets  to predict more diseases. </a:t>
-            </a:r>
-          </a:p>
-          <a:p>
-            <a:pPr>
-              <a:buFont typeface="Arial" panose="020B0604020202020204" pitchFamily="34" charset="0"/>
-              <a:buChar char="•"/>
-            </a:pPr>
-            <a:r>
-              <a:rPr lang="en-US" dirty="0"/>
               <a:t>We can also add different types of diseases such as infectious diseases for prediction.</a:t>
             </a:r>
           </a:p>
@@ -27081,6 +27069,23 @@
               <a:rPr lang="en-US" dirty="0"/>
               <a:t>Improve diabetes model for the good use of this app to predict chronic diseases</a:t>
             </a:r>
+          </a:p>
+          <a:p>
+            <a:r>
+              <a:rPr lang="en-US" dirty="0"/>
+              <a:t>Use Cloud services such as AWS, Google </a:t>
+            </a:r>
+            <a:r>
+              <a:rPr lang="en-US" dirty="0" err="1"/>
+              <a:t>Cloup</a:t>
+            </a:r>
+            <a:r>
+              <a:rPr lang="en-US" dirty="0"/>
+              <a:t> Service for more configuration in deployment</a:t>
+            </a:r>
+          </a:p>
+          <a:p>
+            <a:endParaRPr lang="en-US" dirty="0"/>
           </a:p>
           <a:p>
             <a:pPr marL="0" indent="0">
@@ -29310,31 +29315,7 @@
             </a:r>
             <a:r>
               <a:rPr lang="fr-FR" dirty="0"/>
-              <a:t> Neighbors, </a:t>
-            </a:r>
-            <a:r>
-              <a:rPr lang="fr-FR" dirty="0" err="1"/>
-              <a:t>RandomForestClassifer</a:t>
-            </a:r>
-            <a:r>
-              <a:rPr lang="fr-FR" dirty="0"/>
-              <a:t>, </a:t>
-            </a:r>
-            <a:r>
-              <a:rPr lang="fr-FR" dirty="0" err="1"/>
-              <a:t>XGBoost</a:t>
-            </a:r>
-            <a:r>
-              <a:rPr lang="fr-FR" dirty="0"/>
-              <a:t> Classifier, Gradient </a:t>
-            </a:r>
-            <a:r>
-              <a:rPr lang="fr-FR" dirty="0" err="1"/>
-              <a:t>Boosting</a:t>
-            </a:r>
-            <a:r>
-              <a:rPr lang="fr-FR" dirty="0"/>
-              <a:t> ensemble technique</a:t>
+              <a:t> Neighbors techniques</a:t>
             </a:r>
             <a:endParaRPr lang="en-US" sz="2800" i="0" u="none" strike="noStrike" kern="1200" noProof="0" dirty="0">
               <a:solidFill>
@@ -29434,7 +29415,39 @@
           <a:p>
             <a:r>
               <a:rPr lang="en-US" dirty="0"/>
-              <a:t>Use of ensemble techniques to get strong Models</a:t>
+              <a:t>Use of ensemble techniques:</a:t>
+            </a:r>
+            <a:r>
+              <a:rPr lang="fr-FR" dirty="0"/>
+              <a:t> </a:t>
+            </a:r>
+            <a:r>
+              <a:rPr lang="fr-FR" dirty="0" err="1"/>
+              <a:t>RandomForestClassifer</a:t>
+            </a:r>
+            <a:r>
+              <a:rPr lang="fr-FR" dirty="0"/>
+              <a:t>, </a:t>
+            </a:r>
+            <a:r>
+              <a:rPr lang="fr-FR" dirty="0" err="1"/>
+              <a:t>XGBoost</a:t>
+            </a:r>
+            <a:r>
+              <a:rPr lang="fr-FR" dirty="0"/>
+              <a:t> Classifier, Gradient </a:t>
+            </a:r>
+            <a:r>
+              <a:rPr lang="fr-FR" dirty="0" err="1"/>
+              <a:t>Boosting</a:t>
+            </a:r>
+            <a:r>
+              <a:rPr lang="fr-FR" dirty="0"/>
+              <a:t> ensemble</a:t>
+            </a:r>
+            <a:r>
+              <a:rPr lang="en-US" dirty="0"/>
+              <a:t> to get strong Models</a:t>
             </a:r>
             <a:endParaRPr lang="en-US" sz="2800" dirty="0"/>
           </a:p>
@@ -31766,6 +31779,15 @@
 </file>
 
 <file path=customXml/item2.xml><?xml version="1.0" encoding="utf-8"?>
+<?mso-contentType ?>
+<FormTemplates xmlns="http://schemas.microsoft.com/sharepoint/v3/contenttype/forms">
+  <Display>DocumentLibraryForm</Display>
+  <Edit>DocumentLibraryForm</Edit>
+  <New>DocumentLibraryForm</New>
+</FormTemplates>
+</file>
+
+<file path=customXml/item3.xml><?xml version="1.0" encoding="utf-8"?>
 <p:properties xmlns:p="http://schemas.microsoft.com/office/2006/metadata/properties" xmlns:xsi="http://www.w3.org/2001/XMLSchema-instance" xmlns:pc="http://schemas.microsoft.com/office/infopath/2007/PartnerControls">
   <documentManagement>
     <TaxCatchAll xmlns="8024aa29-09e0-41bf-a8ba-de7a3ccff2d2" xsi:nil="true"/>
@@ -31781,15 +31803,6 @@
     </SharedWithUsers>
   </documentManagement>
 </p:properties>
-</file>
-
-<file path=customXml/item3.xml><?xml version="1.0" encoding="utf-8"?>
-<?mso-contentType ?>
-<FormTemplates xmlns="http://schemas.microsoft.com/sharepoint/v3/contenttype/forms">
-  <Display>DocumentLibraryForm</Display>
-  <Edit>DocumentLibraryForm</Edit>
-  <New>DocumentLibraryForm</New>
-</FormTemplates>
 </file>
 
 <file path=customXml/itemProps1.xml><?xml version="1.0" encoding="utf-8"?>
@@ -31812,6 +31825,14 @@
 </file>
 
 <file path=customXml/itemProps2.xml><?xml version="1.0" encoding="utf-8"?>
+<ds:datastoreItem xmlns:ds="http://schemas.openxmlformats.org/officeDocument/2006/customXml" ds:itemID="{1673DD53-6A06-4588-9E9A-777572FF2106}">
+  <ds:schemaRefs>
+    <ds:schemaRef ds:uri="http://schemas.microsoft.com/sharepoint/v3/contenttype/forms"/>
+  </ds:schemaRefs>
+</ds:datastoreItem>
+</file>
+
+<file path=customXml/itemProps3.xml><?xml version="1.0" encoding="utf-8"?>
 <ds:datastoreItem xmlns:ds="http://schemas.openxmlformats.org/officeDocument/2006/customXml" ds:itemID="{0DEDE2C8-FC7C-4381-A834-6FD8DD37E8B0}">
   <ds:schemaRefs>
     <ds:schemaRef ds:uri="6259e846-8b77-4076-b7b3-191dee427045"/>
@@ -31828,12 +31849,4 @@
     <ds:schemaRef ds:uri="30072bdd-44e3-492a-9bf3-41313a20fa59"/>
   </ds:schemaRefs>
 </ds:datastoreItem>
-</file>
-
-<file path=customXml/itemProps3.xml><?xml version="1.0" encoding="utf-8"?>
-<ds:datastoreItem xmlns:ds="http://schemas.openxmlformats.org/officeDocument/2006/customXml" ds:itemID="{1673DD53-6A06-4588-9E9A-777572FF2106}">
-  <ds:schemaRefs>
-    <ds:schemaRef ds:uri="http://schemas.microsoft.com/sharepoint/v3/contenttype/forms"/>
-  </ds:schemaRefs>
-</ds:datastoreItem>
 </file>